--- a/Presentation/PanamaPapersPresentation.pptx
+++ b/Presentation/PanamaPapersPresentation.pptx
@@ -1605,6 +1605,14 @@
               </a:spcAft>
               <a:buNone/>
             </a:pPr>
+            <a:r>
+              <a:rPr lang="en-US" dirty="0" smtClean="0"/>
+              <a:t>Our</a:t>
+            </a:r>
+            <a:r>
+              <a:rPr lang="en-US" baseline="0" dirty="0" smtClean="0"/>
+              <a:t> work regarding the project of the course was a Panama Papers Analysis using Graph Analytics and Embeddings.</a:t>
+            </a:r>
             <a:endParaRPr dirty="0"/>
           </a:p>
         </p:txBody>
@@ -1664,6 +1672,486 @@
 </file>
 
 <file path=ppt/notesSlides/notesSlide10.xml><?xml version="1.0" encoding="utf-8"?>
+<p:notes xmlns:a="http://schemas.openxmlformats.org/drawingml/2006/main" xmlns:r="http://schemas.openxmlformats.org/officeDocument/2006/relationships" xmlns:p="http://schemas.openxmlformats.org/presentationml/2006/main" showMasterSp="0" showMasterPhAnim="0">
+  <p:cSld>
+    <p:spTree>
+      <p:nvGrpSpPr>
+        <p:cNvPr id="1" name="Shape 185"/>
+        <p:cNvGrpSpPr/>
+        <p:nvPr/>
+      </p:nvGrpSpPr>
+      <p:grpSpPr>
+        <a:xfrm>
+          <a:off x="0" y="0"/>
+          <a:ext cx="0" cy="0"/>
+          <a:chOff x="0" y="0"/>
+          <a:chExt cx="0" cy="0"/>
+        </a:xfrm>
+      </p:grpSpPr>
+      <p:sp>
+        <p:nvSpPr>
+          <p:cNvPr id="186" name="Google Shape;186;p9:notes"/>
+          <p:cNvSpPr txBox="1">
+            <a:spLocks noGrp="1"/>
+          </p:cNvSpPr>
+          <p:nvPr>
+            <p:ph type="body" idx="1"/>
+          </p:nvPr>
+        </p:nvSpPr>
+        <p:spPr>
+          <a:xfrm>
+            <a:off x="685800" y="4400550"/>
+            <a:ext cx="5486400" cy="3600450"/>
+          </a:xfrm>
+          <a:prstGeom prst="rect">
+            <a:avLst/>
+          </a:prstGeom>
+        </p:spPr>
+        <p:txBody>
+          <a:bodyPr spcFirstLastPara="1" wrap="square" lIns="91425" tIns="45700" rIns="91425" bIns="45700" anchor="t" anchorCtr="0">
+            <a:noAutofit/>
+          </a:bodyPr>
+          <a:lstStyle/>
+          <a:p>
+            <a:pPr marL="0" lvl="0" indent="0" algn="l" rtl="0">
+              <a:spcBef>
+                <a:spcPts val="0"/>
+              </a:spcBef>
+              <a:spcAft>
+                <a:spcPts val="0"/>
+              </a:spcAft>
+              <a:buNone/>
+            </a:pPr>
+            <a:r>
+              <a:rPr lang="en-US" dirty="0" smtClean="0"/>
+              <a:t>Regarding</a:t>
+            </a:r>
+            <a:r>
+              <a:rPr lang="en-US" baseline="0" dirty="0" smtClean="0"/>
+              <a:t> the analysis, we decided to run </a:t>
+            </a:r>
+            <a:r>
+              <a:rPr lang="en-US" sz="1200" b="1" dirty="0" smtClean="0">
+                <a:solidFill>
+                  <a:schemeClr val="dk1"/>
+                </a:solidFill>
+                <a:latin typeface="Calibri"/>
+                <a:ea typeface="Calibri"/>
+                <a:cs typeface="Calibri"/>
+                <a:sym typeface="Calibri"/>
+              </a:rPr>
+              <a:t>Eigenvector centrality</a:t>
+            </a:r>
+            <a:r>
+              <a:rPr lang="en-US" sz="1200" dirty="0" smtClean="0">
+                <a:solidFill>
+                  <a:schemeClr val="dk1"/>
+                </a:solidFill>
+                <a:latin typeface="Calibri"/>
+                <a:ea typeface="Calibri"/>
+                <a:cs typeface="Calibri"/>
+                <a:sym typeface="Calibri"/>
+              </a:rPr>
+              <a:t>, </a:t>
+            </a:r>
+            <a:r>
+              <a:rPr lang="en-US" sz="1200" b="1" dirty="0" smtClean="0">
+                <a:solidFill>
+                  <a:schemeClr val="dk1"/>
+                </a:solidFill>
+                <a:latin typeface="Calibri"/>
+                <a:ea typeface="Calibri"/>
+                <a:cs typeface="Calibri"/>
+                <a:sym typeface="Calibri"/>
+              </a:rPr>
+              <a:t>Degree centrality </a:t>
+            </a:r>
+            <a:r>
+              <a:rPr lang="en-US" sz="1200" dirty="0" smtClean="0">
+                <a:solidFill>
+                  <a:schemeClr val="dk1"/>
+                </a:solidFill>
+                <a:latin typeface="Calibri"/>
+                <a:ea typeface="Calibri"/>
+                <a:cs typeface="Calibri"/>
+                <a:sym typeface="Calibri"/>
+              </a:rPr>
+              <a:t>and </a:t>
+            </a:r>
+            <a:r>
+              <a:rPr lang="en-US" sz="1200" b="1" dirty="0" smtClean="0">
+                <a:solidFill>
+                  <a:schemeClr val="dk1"/>
+                </a:solidFill>
+                <a:latin typeface="Calibri"/>
+                <a:ea typeface="Calibri"/>
+                <a:cs typeface="Calibri"/>
+                <a:sym typeface="Calibri"/>
+              </a:rPr>
+              <a:t>Clustering </a:t>
+            </a:r>
+            <a:r>
+              <a:rPr lang="en-US" sz="1200" b="0" dirty="0" smtClean="0">
+                <a:solidFill>
+                  <a:schemeClr val="dk1"/>
+                </a:solidFill>
+                <a:latin typeface="Calibri"/>
+                <a:ea typeface="Calibri"/>
+                <a:cs typeface="Calibri"/>
+                <a:sym typeface="Calibri"/>
+              </a:rPr>
+              <a:t>algorithms</a:t>
+            </a:r>
+            <a:r>
+              <a:rPr lang="en-US" sz="1200" b="0" baseline="0" dirty="0" smtClean="0">
+                <a:solidFill>
+                  <a:schemeClr val="dk1"/>
+                </a:solidFill>
+                <a:latin typeface="Calibri"/>
+                <a:ea typeface="Calibri"/>
+                <a:cs typeface="Calibri"/>
+                <a:sym typeface="Calibri"/>
+              </a:rPr>
+              <a:t> using the analyzers of TSP. </a:t>
+            </a:r>
+          </a:p>
+          <a:p>
+            <a:pPr marL="0" lvl="0" indent="0" algn="l" rtl="0">
+              <a:spcBef>
+                <a:spcPts val="0"/>
+              </a:spcBef>
+              <a:spcAft>
+                <a:spcPts val="0"/>
+              </a:spcAft>
+              <a:buNone/>
+            </a:pPr>
+            <a:r>
+              <a:rPr lang="en-US" sz="1200" b="1" dirty="0" smtClean="0">
+                <a:solidFill>
+                  <a:schemeClr val="dk1"/>
+                </a:solidFill>
+                <a:latin typeface="Calibri"/>
+                <a:ea typeface="Calibri"/>
+                <a:cs typeface="Calibri"/>
+                <a:sym typeface="Calibri"/>
+              </a:rPr>
+              <a:t>Eigenvector centrality </a:t>
+            </a:r>
+            <a:r>
+              <a:rPr lang="en-US" sz="1200" b="0" dirty="0" smtClean="0">
+                <a:solidFill>
+                  <a:schemeClr val="dk1"/>
+                </a:solidFill>
+                <a:latin typeface="Calibri"/>
+                <a:ea typeface="Calibri"/>
+                <a:cs typeface="Calibri"/>
+                <a:sym typeface="Calibri"/>
+              </a:rPr>
+              <a:t>is [</a:t>
+            </a:r>
+            <a:r>
+              <a:rPr lang="en-US" sz="1200" b="1" i="0" u="none" strike="noStrike" cap="none" dirty="0" smtClean="0">
+                <a:solidFill>
+                  <a:schemeClr val="dk1"/>
+                </a:solidFill>
+                <a:effectLst/>
+                <a:latin typeface="Calibri"/>
+                <a:ea typeface="Calibri"/>
+                <a:cs typeface="Calibri"/>
+                <a:sym typeface="Calibri"/>
+              </a:rPr>
+              <a:t>a measure of the influence of a node in a network. Relative scores are assigned to all nodes in the network based on the concept that connections to high-scoring nodes contribute more to the score of the node in question than equal connections to low-scoring nodes</a:t>
+            </a:r>
+            <a:r>
+              <a:rPr lang="en-US" sz="1200" b="0" i="0" u="none" strike="noStrike" cap="none" dirty="0" smtClean="0">
+                <a:solidFill>
+                  <a:schemeClr val="dk1"/>
+                </a:solidFill>
+                <a:effectLst/>
+                <a:latin typeface="Calibri"/>
+                <a:ea typeface="Calibri"/>
+                <a:cs typeface="Calibri"/>
+                <a:sym typeface="Calibri"/>
+              </a:rPr>
+              <a:t>. ]</a:t>
+            </a:r>
+            <a:r>
+              <a:rPr lang="en-US" sz="1200" b="0" dirty="0" smtClean="0">
+                <a:solidFill>
+                  <a:schemeClr val="dk1"/>
+                </a:solidFill>
+                <a:latin typeface="Calibri"/>
+                <a:ea typeface="Calibri"/>
+                <a:cs typeface="Calibri"/>
+                <a:sym typeface="Calibri"/>
+              </a:rPr>
+              <a:t> and you can see</a:t>
+            </a:r>
+            <a:r>
+              <a:rPr lang="en-US" sz="1200" b="0" baseline="0" dirty="0" smtClean="0">
+                <a:solidFill>
+                  <a:schemeClr val="dk1"/>
+                </a:solidFill>
+                <a:latin typeface="Calibri"/>
+                <a:ea typeface="Calibri"/>
+                <a:cs typeface="Calibri"/>
+                <a:sym typeface="Calibri"/>
+              </a:rPr>
+              <a:t> the output and the best results in the corresponding figure.</a:t>
+            </a:r>
+            <a:endParaRPr lang="en-US" sz="1200" b="0" dirty="0" smtClean="0">
+              <a:solidFill>
+                <a:schemeClr val="dk1"/>
+              </a:solidFill>
+              <a:latin typeface="Calibri"/>
+              <a:ea typeface="Calibri"/>
+              <a:cs typeface="Calibri"/>
+              <a:sym typeface="Calibri"/>
+            </a:endParaRPr>
+          </a:p>
+          <a:p>
+            <a:pPr marL="0" lvl="0" indent="0" algn="l" rtl="0">
+              <a:spcBef>
+                <a:spcPts val="0"/>
+              </a:spcBef>
+              <a:spcAft>
+                <a:spcPts val="0"/>
+              </a:spcAft>
+              <a:buNone/>
+            </a:pPr>
+            <a:r>
+              <a:rPr lang="en-US" sz="1200" b="1" dirty="0" smtClean="0">
+                <a:solidFill>
+                  <a:schemeClr val="dk1"/>
+                </a:solidFill>
+                <a:latin typeface="Calibri"/>
+                <a:ea typeface="Calibri"/>
+                <a:cs typeface="Calibri"/>
+                <a:sym typeface="Calibri"/>
+              </a:rPr>
+              <a:t>Degree centrality </a:t>
+            </a:r>
+            <a:r>
+              <a:rPr lang="en-US" sz="1200" b="0" dirty="0" smtClean="0">
+                <a:solidFill>
+                  <a:schemeClr val="dk1"/>
+                </a:solidFill>
+                <a:latin typeface="Calibri"/>
+                <a:ea typeface="Calibri"/>
+                <a:cs typeface="Calibri"/>
+                <a:sym typeface="Calibri"/>
+              </a:rPr>
+              <a:t>is [</a:t>
+            </a:r>
+            <a:r>
+              <a:rPr lang="en-US" sz="1200" b="1" i="0" u="none" strike="noStrike" cap="none" dirty="0" smtClean="0">
+                <a:solidFill>
+                  <a:schemeClr val="dk1"/>
+                </a:solidFill>
+                <a:effectLst/>
+                <a:latin typeface="Calibri"/>
+                <a:ea typeface="Calibri"/>
+                <a:cs typeface="Calibri"/>
+                <a:sym typeface="Calibri"/>
+              </a:rPr>
+              <a:t>The higher the degree, the more central the node is</a:t>
+            </a:r>
+            <a:r>
+              <a:rPr lang="en-US" sz="1200" b="0" i="0" u="none" strike="noStrike" cap="none" dirty="0" smtClean="0">
+                <a:solidFill>
+                  <a:schemeClr val="dk1"/>
+                </a:solidFill>
+                <a:effectLst/>
+                <a:latin typeface="Calibri"/>
+                <a:ea typeface="Calibri"/>
+                <a:cs typeface="Calibri"/>
+                <a:sym typeface="Calibri"/>
+              </a:rPr>
+              <a:t>.</a:t>
+            </a:r>
+            <a:r>
+              <a:rPr lang="en-US" sz="1200" b="0" dirty="0" smtClean="0">
+                <a:solidFill>
+                  <a:schemeClr val="dk1"/>
+                </a:solidFill>
+                <a:latin typeface="Calibri"/>
+                <a:ea typeface="Calibri"/>
+                <a:cs typeface="Calibri"/>
+                <a:sym typeface="Calibri"/>
+              </a:rPr>
+              <a:t>] and you can see</a:t>
+            </a:r>
+            <a:r>
+              <a:rPr lang="en-US" sz="1200" b="0" baseline="0" dirty="0" smtClean="0">
+                <a:solidFill>
+                  <a:schemeClr val="dk1"/>
+                </a:solidFill>
+                <a:latin typeface="Calibri"/>
+                <a:ea typeface="Calibri"/>
+                <a:cs typeface="Calibri"/>
+                <a:sym typeface="Calibri"/>
+              </a:rPr>
+              <a:t> the output and the best results in the corresponding figure.</a:t>
+            </a:r>
+          </a:p>
+          <a:p>
+            <a:pPr marL="0" marR="0" lvl="0" indent="0" algn="l" defTabSz="914400" rtl="0" eaLnBrk="1" fontAlgn="auto" latinLnBrk="0" hangingPunct="1">
+              <a:lnSpc>
+                <a:spcPct val="100000"/>
+              </a:lnSpc>
+              <a:spcBef>
+                <a:spcPts val="0"/>
+              </a:spcBef>
+              <a:spcAft>
+                <a:spcPts val="0"/>
+              </a:spcAft>
+              <a:buClr>
+                <a:srgbClr val="000000"/>
+              </a:buClr>
+              <a:buSzPts val="1400"/>
+              <a:buFont typeface="Arial"/>
+              <a:buNone/>
+              <a:tabLst/>
+              <a:defRPr/>
+            </a:pPr>
+            <a:r>
+              <a:rPr lang="en-US" sz="1200" b="1" dirty="0" smtClean="0">
+                <a:solidFill>
+                  <a:schemeClr val="dk1"/>
+                </a:solidFill>
+                <a:latin typeface="Calibri"/>
+                <a:ea typeface="Calibri"/>
+                <a:cs typeface="Calibri"/>
+                <a:sym typeface="Calibri"/>
+              </a:rPr>
+              <a:t>Clustering </a:t>
+            </a:r>
+            <a:r>
+              <a:rPr lang="en-US" sz="1200" b="0" baseline="0" dirty="0" smtClean="0">
+                <a:solidFill>
+                  <a:schemeClr val="dk1"/>
+                </a:solidFill>
+                <a:latin typeface="Calibri"/>
+                <a:ea typeface="Calibri"/>
+                <a:cs typeface="Calibri"/>
+                <a:sym typeface="Calibri"/>
+              </a:rPr>
+              <a:t>is </a:t>
+            </a:r>
+            <a:r>
+              <a:rPr lang="en-US" sz="1200" b="0" dirty="0" smtClean="0">
+                <a:solidFill>
+                  <a:schemeClr val="dk1"/>
+                </a:solidFill>
+                <a:latin typeface="Calibri"/>
+                <a:ea typeface="Calibri"/>
+                <a:cs typeface="Calibri"/>
+                <a:sym typeface="Calibri"/>
+              </a:rPr>
+              <a:t>[</a:t>
+            </a:r>
+            <a:r>
+              <a:rPr lang="en-US" sz="1200" b="1" i="0" u="none" strike="noStrike" cap="none" dirty="0" smtClean="0">
+                <a:solidFill>
+                  <a:schemeClr val="dk1"/>
+                </a:solidFill>
+                <a:effectLst/>
+                <a:latin typeface="Calibri"/>
+                <a:ea typeface="Calibri"/>
+                <a:cs typeface="Calibri"/>
+                <a:sym typeface="Calibri"/>
+              </a:rPr>
+              <a:t>the task of grouping a set of objects in such way that objects in the same group are more similar to each other than to those in other groups</a:t>
+            </a:r>
+            <a:r>
+              <a:rPr lang="en-US" sz="1200" b="0" dirty="0" smtClean="0">
+                <a:solidFill>
+                  <a:schemeClr val="dk1"/>
+                </a:solidFill>
+                <a:latin typeface="Calibri"/>
+                <a:ea typeface="Calibri"/>
+                <a:cs typeface="Calibri"/>
+                <a:sym typeface="Calibri"/>
+              </a:rPr>
+              <a:t>] and you can see</a:t>
+            </a:r>
+            <a:r>
+              <a:rPr lang="en-US" sz="1200" b="0" baseline="0" dirty="0" smtClean="0">
+                <a:solidFill>
+                  <a:schemeClr val="dk1"/>
+                </a:solidFill>
+                <a:latin typeface="Calibri"/>
+                <a:ea typeface="Calibri"/>
+                <a:cs typeface="Calibri"/>
+                <a:sym typeface="Calibri"/>
+              </a:rPr>
+              <a:t> the output and the best results in the corresponding figure.</a:t>
+            </a:r>
+          </a:p>
+          <a:p>
+            <a:pPr marL="0" lvl="0" indent="0" algn="l" rtl="0">
+              <a:spcBef>
+                <a:spcPts val="0"/>
+              </a:spcBef>
+              <a:spcAft>
+                <a:spcPts val="0"/>
+              </a:spcAft>
+              <a:buNone/>
+            </a:pPr>
+            <a:endParaRPr dirty="0"/>
+          </a:p>
+        </p:txBody>
+      </p:sp>
+      <p:sp>
+        <p:nvSpPr>
+          <p:cNvPr id="187" name="Google Shape;187;p9:notes"/>
+          <p:cNvSpPr>
+            <a:spLocks noGrp="1" noRot="1" noChangeAspect="1"/>
+          </p:cNvSpPr>
+          <p:nvPr>
+            <p:ph type="sldImg" idx="2"/>
+          </p:nvPr>
+        </p:nvSpPr>
+        <p:spPr>
+          <a:xfrm>
+            <a:off x="685800" y="1143000"/>
+            <a:ext cx="5486400" cy="3086100"/>
+          </a:xfrm>
+          <a:custGeom>
+            <a:avLst/>
+            <a:gdLst/>
+            <a:ahLst/>
+            <a:cxnLst/>
+            <a:rect l="l" t="t" r="r" b="b"/>
+            <a:pathLst>
+              <a:path w="120000" h="120000" extrusionOk="0">
+                <a:moveTo>
+                  <a:pt x="0" y="0"/>
+                </a:moveTo>
+                <a:lnTo>
+                  <a:pt x="120000" y="0"/>
+                </a:lnTo>
+                <a:lnTo>
+                  <a:pt x="120000" y="120000"/>
+                </a:lnTo>
+                <a:lnTo>
+                  <a:pt x="0" y="120000"/>
+                </a:lnTo>
+                <a:close/>
+              </a:path>
+            </a:pathLst>
+          </a:custGeom>
+        </p:spPr>
+      </p:sp>
+    </p:spTree>
+  </p:cSld>
+  <p:clrMapOvr>
+    <a:masterClrMapping/>
+  </p:clrMapOvr>
+</p:notes>
+</file>
+
+<file path=ppt/notesSlides/notesSlide11.xml><?xml version="1.0" encoding="utf-8"?>
 <p:notes xmlns:a="http://schemas.openxmlformats.org/drawingml/2006/main" xmlns:r="http://schemas.openxmlformats.org/officeDocument/2006/relationships" xmlns:p="http://schemas.openxmlformats.org/presentationml/2006/main" showMasterSp="0" showMasterPhAnim="0">
   <p:cSld>
     <p:spTree>
@@ -1714,7 +2202,67 @@
               </a:spcAft>
               <a:buNone/>
             </a:pPr>
-            <a:endParaRPr/>
+            <a:r>
+              <a:rPr lang="en-US" dirty="0" smtClean="0"/>
+              <a:t>NetworkX is an open source Python API which was able to </a:t>
+            </a:r>
+            <a:r>
+              <a:rPr lang="en-US" b="1" dirty="0" smtClean="0"/>
+              <a:t>load the dataset completely</a:t>
+            </a:r>
+            <a:r>
+              <a:rPr lang="en-US" dirty="0" smtClean="0"/>
+              <a:t> and run the algorithms we selected. To use it we needed to create a custom dataset</a:t>
+            </a:r>
+            <a:r>
+              <a:rPr lang="en-US" baseline="0" dirty="0" smtClean="0"/>
+              <a:t> parsing python script and some wrappers for the built in functions of the library. </a:t>
+            </a:r>
+          </a:p>
+          <a:p>
+            <a:pPr marL="0" lvl="0" indent="0" algn="l" rtl="0">
+              <a:spcBef>
+                <a:spcPts val="0"/>
+              </a:spcBef>
+              <a:spcAft>
+                <a:spcPts val="0"/>
+              </a:spcAft>
+              <a:buNone/>
+            </a:pPr>
+            <a:r>
+              <a:rPr lang="en-US" baseline="0" dirty="0" smtClean="0"/>
+              <a:t>We decided to proceed with the results of </a:t>
+            </a:r>
+            <a:r>
+              <a:rPr lang="en-US" baseline="0" dirty="0" err="1" smtClean="0"/>
+              <a:t>NetworkX,because</a:t>
+            </a:r>
+            <a:r>
+              <a:rPr lang="en-US" baseline="0" dirty="0" smtClean="0"/>
+              <a:t> using this library we managed to load the whole graph. The algorithms we decided to use are </a:t>
+            </a:r>
+            <a:r>
+              <a:rPr lang="en-US" b="0" baseline="0" dirty="0" smtClean="0"/>
+              <a:t>the previous ones plus PageRank [</a:t>
+            </a:r>
+            <a:r>
+              <a:rPr lang="en-US" sz="1200" b="1" i="0" u="none" strike="noStrike" cap="none" dirty="0" smtClean="0">
+                <a:solidFill>
+                  <a:schemeClr val="dk1"/>
+                </a:solidFill>
+                <a:effectLst/>
+                <a:latin typeface="Calibri"/>
+                <a:ea typeface="Calibri"/>
+                <a:cs typeface="Calibri"/>
+                <a:sym typeface="Calibri"/>
+              </a:rPr>
+              <a:t>PageRank computes a ranking of the nodes in the graph based on the structure of the incoming and out-coming links</a:t>
+            </a:r>
+            <a:r>
+              <a:rPr lang="en-US" b="0" baseline="0" dirty="0" smtClean="0"/>
+              <a:t>] . We decided to rule out of the final results the nodes that corresponded to addresses, because for this analysis we mostly care to find the most important nodes representing entities, intermediaries and officers.</a:t>
+            </a:r>
+            <a:endParaRPr dirty="0"/>
           </a:p>
         </p:txBody>
       </p:sp>
@@ -1767,7 +2315,7 @@
 </p:notes>
 </file>
 
-<file path=ppt/notesSlides/notesSlide11.xml><?xml version="1.0" encoding="utf-8"?>
+<file path=ppt/notesSlides/notesSlide12.xml><?xml version="1.0" encoding="utf-8"?>
 <p:notes xmlns:a="http://schemas.openxmlformats.org/drawingml/2006/main" xmlns:r="http://schemas.openxmlformats.org/officeDocument/2006/relationships" xmlns:p="http://schemas.openxmlformats.org/presentationml/2006/main" showMasterSp="0" showMasterPhAnim="0">
   <p:cSld>
     <p:spTree>
@@ -1818,7 +2366,15 @@
               </a:spcAft>
               <a:buNone/>
             </a:pPr>
-            <a:endParaRPr/>
+            <a:r>
+              <a:rPr lang="en-US" dirty="0" smtClean="0"/>
+              <a:t>So, here you can</a:t>
+            </a:r>
+            <a:r>
+              <a:rPr lang="en-US" baseline="0" dirty="0" smtClean="0"/>
+              <a:t> see the top results of each of the algorithms we run. Now, you notice that entity we presented in the beginning of the presentation is actually the one with the highest PageRank and EV centrality score. </a:t>
+            </a:r>
+            <a:endParaRPr dirty="0"/>
           </a:p>
         </p:txBody>
       </p:sp>
@@ -1871,7 +2427,7 @@
 </p:notes>
 </file>
 
-<file path=ppt/notesSlides/notesSlide12.xml><?xml version="1.0" encoding="utf-8"?>
+<file path=ppt/notesSlides/notesSlide13.xml><?xml version="1.0" encoding="utf-8"?>
 <p:notes xmlns:a="http://schemas.openxmlformats.org/drawingml/2006/main" xmlns:r="http://schemas.openxmlformats.org/officeDocument/2006/relationships" xmlns:p="http://schemas.openxmlformats.org/presentationml/2006/main" showMasterSp="0" showMasterPhAnim="0">
   <p:cSld>
     <p:spTree>
@@ -1922,7 +2478,128 @@
               </a:spcAft>
               <a:buNone/>
             </a:pPr>
-            <a:endParaRPr/>
+            <a:r>
+              <a:rPr lang="en-US" dirty="0" smtClean="0"/>
+              <a:t>Now,</a:t>
+            </a:r>
+            <a:r>
+              <a:rPr lang="en-US" baseline="0" dirty="0" smtClean="0"/>
+              <a:t> we will proceed to the embeddings creation part. You can consider embeddings as </a:t>
+            </a:r>
+            <a:r>
+              <a:rPr lang="en-US" sz="1200" b="1" dirty="0" smtClean="0"/>
+              <a:t>vector representations of words. </a:t>
+            </a:r>
+            <a:r>
+              <a:rPr lang="en-US" sz="1200" b="0" dirty="0" smtClean="0"/>
+              <a:t>There are many libraries for embeddings creation</a:t>
+            </a:r>
+            <a:r>
+              <a:rPr lang="en-US" sz="1200" b="0" baseline="0" dirty="0" smtClean="0"/>
+              <a:t> that </a:t>
+            </a:r>
+            <a:r>
+              <a:rPr lang="en-US" sz="1200" dirty="0" smtClean="0"/>
+              <a:t>exploit </a:t>
+            </a:r>
+            <a:r>
+              <a:rPr lang="en-US" sz="1200" b="1" dirty="0" smtClean="0"/>
+              <a:t>pre-trained neural networks</a:t>
+            </a:r>
+            <a:r>
+              <a:rPr lang="en-US" sz="1200" dirty="0" smtClean="0"/>
+              <a:t> trying to group the words based on their semantic meaning. This means that based on the input, </a:t>
+            </a:r>
+            <a:r>
+              <a:rPr lang="en-US" sz="1200" b="1" dirty="0" smtClean="0"/>
+              <a:t>words that have similar meaning will also have closer vectors. </a:t>
+            </a:r>
+          </a:p>
+          <a:p>
+            <a:pPr marL="0" marR="0" lvl="0" indent="0" algn="l" defTabSz="914400" rtl="0" eaLnBrk="1" fontAlgn="auto" latinLnBrk="0" hangingPunct="1">
+              <a:lnSpc>
+                <a:spcPct val="100000"/>
+              </a:lnSpc>
+              <a:spcBef>
+                <a:spcPts val="0"/>
+              </a:spcBef>
+              <a:spcAft>
+                <a:spcPts val="0"/>
+              </a:spcAft>
+              <a:buClr>
+                <a:srgbClr val="000000"/>
+              </a:buClr>
+              <a:buSzPts val="1400"/>
+              <a:buFont typeface="Arial"/>
+              <a:buNone/>
+              <a:tabLst/>
+              <a:defRPr/>
+            </a:pPr>
+            <a:r>
+              <a:rPr lang="en-US" sz="1200" b="0" dirty="0" smtClean="0"/>
+              <a:t>Regarding</a:t>
+            </a:r>
+            <a:r>
+              <a:rPr lang="en-US" sz="1200" b="0" baseline="0" dirty="0" smtClean="0"/>
+              <a:t> graph embeddings, t</a:t>
+            </a:r>
+            <a:r>
+              <a:rPr lang="en-US" sz="1200" dirty="0" smtClean="0"/>
+              <a:t>he idea is to </a:t>
+            </a:r>
+            <a:r>
+              <a:rPr lang="en-US" sz="1200" b="1" dirty="0" smtClean="0"/>
+              <a:t>transform the graph into text corpus</a:t>
+            </a:r>
+            <a:r>
+              <a:rPr lang="en-US" sz="1200" dirty="0" smtClean="0"/>
+              <a:t>, by representing it as triples of the form (“nodeName” “</a:t>
+            </a:r>
+            <a:r>
+              <a:rPr lang="en-US" sz="1200" dirty="0" err="1" smtClean="0"/>
+              <a:t>linkName</a:t>
+            </a:r>
+            <a:r>
+              <a:rPr lang="en-US" sz="1200" dirty="0" smtClean="0"/>
+              <a:t>” “nodeName”). This will result in a vector for each node, and </a:t>
+            </a:r>
+            <a:r>
+              <a:rPr lang="en-US" sz="1200" b="1" dirty="0" smtClean="0"/>
+              <a:t>nodes that share many same information will have closer vectors too. </a:t>
+            </a:r>
+            <a:r>
+              <a:rPr lang="en-US" sz="1200" dirty="0" smtClean="0"/>
+              <a:t>This way, we can make operations like </a:t>
+            </a:r>
+            <a:r>
+              <a:rPr lang="en-US" sz="1200" b="1" dirty="0" smtClean="0"/>
+              <a:t>similarity search </a:t>
+            </a:r>
+            <a:r>
+              <a:rPr lang="en-US" sz="1200" dirty="0" smtClean="0"/>
+              <a:t>i.e. “</a:t>
+            </a:r>
+            <a:r>
+              <a:rPr lang="en-US" sz="1200" b="1" dirty="0" smtClean="0"/>
+              <a:t>give me the first top-K” similar nodes </a:t>
+            </a:r>
+            <a:r>
+              <a:rPr lang="en-US" sz="1200" dirty="0" smtClean="0"/>
+              <a:t>of the node N. </a:t>
+            </a:r>
+            <a:endParaRPr lang="en-US" sz="1800" dirty="0" smtClean="0"/>
+          </a:p>
+          <a:p>
+            <a:pPr marL="0" lvl="0" indent="0" algn="l" rtl="0">
+              <a:spcBef>
+                <a:spcPts val="0"/>
+              </a:spcBef>
+              <a:spcAft>
+                <a:spcPts val="0"/>
+              </a:spcAft>
+              <a:buNone/>
+            </a:pPr>
+            <a:endParaRPr b="0" dirty="0"/>
           </a:p>
         </p:txBody>
       </p:sp>
@@ -1975,7 +2652,7 @@
 </p:notes>
 </file>
 
-<file path=ppt/notesSlides/notesSlide13.xml><?xml version="1.0" encoding="utf-8"?>
+<file path=ppt/notesSlides/notesSlide14.xml><?xml version="1.0" encoding="utf-8"?>
 <p:notes xmlns:a="http://schemas.openxmlformats.org/drawingml/2006/main" xmlns:r="http://schemas.openxmlformats.org/officeDocument/2006/relationships" xmlns:p="http://schemas.openxmlformats.org/presentationml/2006/main" showMasterSp="0" showMasterPhAnim="0">
   <p:cSld>
     <p:spTree>
@@ -2026,7 +2703,116 @@
               </a:spcAft>
               <a:buNone/>
             </a:pPr>
-            <a:endParaRPr/>
+            <a:r>
+              <a:rPr lang="en-US" dirty="0" smtClean="0"/>
+              <a:t>In this figure,</a:t>
+            </a:r>
+            <a:r>
+              <a:rPr lang="en-US" baseline="0" dirty="0" smtClean="0"/>
+              <a:t> the process of embedding creation for our work is depicted. We start by transforming the graph into text corpus, which is used as input for an embedding creation library called word2vec. Then, after the vector space is produced we load this space into a embeddings database framework called RDFsim.</a:t>
+            </a:r>
+          </a:p>
+          <a:p>
+            <a:pPr marL="0" marR="0" lvl="0" indent="0" algn="l" defTabSz="914400" rtl="0" eaLnBrk="1" fontAlgn="auto" latinLnBrk="0" hangingPunct="1">
+              <a:lnSpc>
+                <a:spcPct val="100000"/>
+              </a:lnSpc>
+              <a:spcBef>
+                <a:spcPts val="0"/>
+              </a:spcBef>
+              <a:spcAft>
+                <a:spcPts val="0"/>
+              </a:spcAft>
+              <a:buClr>
+                <a:srgbClr val="000000"/>
+              </a:buClr>
+              <a:buSzPts val="1400"/>
+              <a:buFont typeface="Arial"/>
+              <a:buNone/>
+              <a:tabLst/>
+              <a:defRPr/>
+            </a:pPr>
+            <a:r>
+              <a:rPr lang="en-US" baseline="0" dirty="0" smtClean="0"/>
+              <a:t>RDFsim </a:t>
+            </a:r>
+            <a:r>
+              <a:rPr lang="en-US" sz="1200" dirty="0" smtClean="0"/>
+              <a:t>is a </a:t>
+            </a:r>
+            <a:r>
+              <a:rPr lang="en-US" sz="1200" b="1" dirty="0" smtClean="0"/>
+              <a:t>search engine </a:t>
+            </a:r>
+            <a:r>
+              <a:rPr lang="en-US" sz="1200" dirty="0" smtClean="0"/>
+              <a:t>which is able to </a:t>
+            </a:r>
+            <a:r>
+              <a:rPr lang="en-US" sz="1200" b="1" dirty="0" smtClean="0"/>
+              <a:t>use embedding datasets </a:t>
+            </a:r>
+            <a:r>
+              <a:rPr lang="en-US" sz="1200" dirty="0" smtClean="0"/>
+              <a:t>and create </a:t>
+            </a:r>
+            <a:r>
+              <a:rPr lang="en-US" sz="1200" b="1" dirty="0" smtClean="0"/>
+              <a:t>similarity networks</a:t>
+            </a:r>
+            <a:r>
+              <a:rPr lang="en-US" sz="1200" dirty="0" smtClean="0"/>
+              <a:t>. Although it is designed for </a:t>
+            </a:r>
+            <a:r>
+              <a:rPr lang="en-US" sz="1200" b="1" dirty="0" smtClean="0"/>
+              <a:t>knowledge graphs</a:t>
+            </a:r>
+            <a:r>
+              <a:rPr lang="en-US" sz="1200" dirty="0" smtClean="0"/>
+              <a:t>, we managed to </a:t>
+            </a:r>
+            <a:r>
+              <a:rPr lang="en-US" sz="1200" b="1" dirty="0" smtClean="0"/>
+              <a:t>port the Fraud Detection </a:t>
+            </a:r>
+            <a:r>
+              <a:rPr lang="en-US" sz="1200" dirty="0" smtClean="0"/>
+              <a:t>data.</a:t>
+            </a:r>
+            <a:r>
+              <a:rPr lang="en-US" sz="1200" baseline="0" dirty="0" smtClean="0"/>
+              <a:t> W</a:t>
+            </a:r>
+            <a:r>
+              <a:rPr lang="en-US" sz="1200" dirty="0" smtClean="0"/>
+              <a:t>e can use the search engine features of RDFsim (e.g. search for a specific node of the graph) and </a:t>
+            </a:r>
+            <a:r>
+              <a:rPr lang="en-US" sz="1200" b="1" dirty="0" smtClean="0"/>
+              <a:t>create networks </a:t>
+            </a:r>
+            <a:r>
+              <a:rPr lang="en-US" sz="1200" dirty="0" smtClean="0"/>
+              <a:t>of any kind and depth, for any entity</a:t>
+            </a:r>
+            <a:r>
+              <a:rPr lang="en-US" sz="1200" baseline="0" dirty="0" smtClean="0"/>
+              <a:t> we want.</a:t>
+            </a:r>
+            <a:endParaRPr lang="en-US" sz="1200" dirty="0" smtClean="0"/>
+          </a:p>
+          <a:p>
+            <a:pPr marL="0" lvl="0" indent="0" algn="l" rtl="0">
+              <a:spcBef>
+                <a:spcPts val="0"/>
+              </a:spcBef>
+              <a:spcAft>
+                <a:spcPts val="0"/>
+              </a:spcAft>
+              <a:buNone/>
+            </a:pPr>
+            <a:endParaRPr dirty="0"/>
           </a:p>
         </p:txBody>
       </p:sp>
@@ -2079,7 +2865,7 @@
 </p:notes>
 </file>
 
-<file path=ppt/notesSlides/notesSlide14.xml><?xml version="1.0" encoding="utf-8"?>
+<file path=ppt/notesSlides/notesSlide15.xml><?xml version="1.0" encoding="utf-8"?>
 <p:notes xmlns:a="http://schemas.openxmlformats.org/drawingml/2006/main" xmlns:r="http://schemas.openxmlformats.org/officeDocument/2006/relationships" xmlns:p="http://schemas.openxmlformats.org/presentationml/2006/main" showMasterSp="0" showMasterPhAnim="0">
   <p:cSld>
     <p:spTree>
@@ -2130,7 +2916,30 @@
               </a:spcAft>
               <a:buNone/>
             </a:pPr>
-            <a:endParaRPr/>
+            <a:r>
+              <a:rPr lang="en-US" dirty="0" smtClean="0"/>
+              <a:t>Now,</a:t>
+            </a:r>
+            <a:r>
+              <a:rPr lang="en-US" baseline="0" dirty="0" smtClean="0"/>
+              <a:t> we can exploit the RDFsim graph database to create the similarity networks we presented in the beginning. If you want more information about the tuning and work of RDFsim, there is a publication available.</a:t>
+            </a:r>
+          </a:p>
+          <a:p>
+            <a:pPr marL="0" lvl="0" indent="0" algn="l" rtl="0">
+              <a:spcBef>
+                <a:spcPts val="0"/>
+              </a:spcBef>
+              <a:spcAft>
+                <a:spcPts val="0"/>
+              </a:spcAft>
+              <a:buNone/>
+            </a:pPr>
+            <a:r>
+              <a:rPr lang="en-US" baseline="0" dirty="0" smtClean="0"/>
+              <a:t>Here, you can three nodes we selected, and their networks are presented In the next slide.</a:t>
+            </a:r>
+            <a:endParaRPr dirty="0"/>
           </a:p>
         </p:txBody>
       </p:sp>
@@ -2183,7 +2992,7 @@
 </p:notes>
 </file>
 
-<file path=ppt/notesSlides/notesSlide15.xml><?xml version="1.0" encoding="utf-8"?>
+<file path=ppt/notesSlides/notesSlide16.xml><?xml version="1.0" encoding="utf-8"?>
 <p:notes xmlns:a="http://schemas.openxmlformats.org/drawingml/2006/main" xmlns:r="http://schemas.openxmlformats.org/officeDocument/2006/relationships" xmlns:p="http://schemas.openxmlformats.org/presentationml/2006/main" showMasterSp="0" showMasterPhAnim="0">
   <p:cSld>
     <p:spTree>
@@ -2234,7 +3043,15 @@
               </a:spcAft>
               <a:buNone/>
             </a:pPr>
-            <a:endParaRPr/>
+            <a:r>
+              <a:rPr lang="en-US" dirty="0" smtClean="0"/>
+              <a:t>Here</a:t>
+            </a:r>
+            <a:r>
+              <a:rPr lang="en-US" baseline="0" dirty="0" smtClean="0"/>
+              <a:t> you can see examples of the similarity networks. The generated graphs can be tuned to have specific depth and similarity count. That means that for every entity, we can decide the top-K similar entities to see and the size of the paths that will be created.</a:t>
+            </a:r>
+            <a:endParaRPr dirty="0"/>
           </a:p>
         </p:txBody>
       </p:sp>
@@ -2287,7 +3104,7 @@
 </p:notes>
 </file>
 
-<file path=ppt/notesSlides/notesSlide16.xml><?xml version="1.0" encoding="utf-8"?>
+<file path=ppt/notesSlides/notesSlide17.xml><?xml version="1.0" encoding="utf-8"?>
 <p:notes xmlns:a="http://schemas.openxmlformats.org/drawingml/2006/main" xmlns:r="http://schemas.openxmlformats.org/officeDocument/2006/relationships" xmlns:p="http://schemas.openxmlformats.org/presentationml/2006/main" showMasterSp="0" showMasterPhAnim="0">
   <p:cSld>
     <p:spTree>
@@ -2329,6 +3146,162 @@
           </a:bodyPr>
           <a:lstStyle/>
           <a:p>
+            <a:pPr marL="0" lvl="0" indent="0" algn="just" rtl="0">
+              <a:lnSpc>
+                <a:spcPct val="90000"/>
+              </a:lnSpc>
+              <a:spcBef>
+                <a:spcPts val="0"/>
+              </a:spcBef>
+              <a:spcAft>
+                <a:spcPts val="0"/>
+              </a:spcAft>
+              <a:buClr>
+                <a:schemeClr val="dk1"/>
+              </a:buClr>
+              <a:buSzPct val="100000"/>
+              <a:buNone/>
+            </a:pPr>
+            <a:r>
+              <a:rPr lang="en-US" sz="1200" dirty="0" smtClean="0"/>
+              <a:t>Lets look at the similarity network of ACCELONIC LTD. Using this network, </a:t>
+            </a:r>
+            <a:r>
+              <a:rPr lang="en-US" sz="1200" b="1" dirty="0" smtClean="0"/>
+              <a:t>we can discover connections between offshores and other entities that were not clear before</a:t>
+            </a:r>
+            <a:r>
+              <a:rPr lang="en-US" sz="1200" dirty="0" smtClean="0"/>
+              <a:t>. </a:t>
+            </a:r>
+          </a:p>
+          <a:p>
+            <a:pPr marL="0" lvl="0" indent="0" algn="just" rtl="0">
+              <a:lnSpc>
+                <a:spcPct val="90000"/>
+              </a:lnSpc>
+              <a:spcBef>
+                <a:spcPts val="1000"/>
+              </a:spcBef>
+              <a:spcAft>
+                <a:spcPts val="0"/>
+              </a:spcAft>
+              <a:buClr>
+                <a:schemeClr val="dk1"/>
+              </a:buClr>
+              <a:buSzPct val="100000"/>
+              <a:buNone/>
+            </a:pPr>
+            <a:r>
+              <a:rPr lang="en-US" sz="1200" dirty="0" smtClean="0"/>
+              <a:t>For example, we see that our current node has high similarity score with </a:t>
+            </a:r>
+            <a:r>
+              <a:rPr lang="en-US" sz="1200" b="1" dirty="0" smtClean="0"/>
+              <a:t>ASPAM NAVIGATION LTD. </a:t>
+            </a:r>
+            <a:r>
+              <a:rPr lang="en-US" sz="1200" i="1" dirty="0" smtClean="0"/>
+              <a:t>(the similarity score is based on how close are the corresponding vectors, i.e. it is the </a:t>
+            </a:r>
+            <a:r>
+              <a:rPr lang="en-US" sz="1200" b="1" i="1" dirty="0" smtClean="0"/>
+              <a:t>cosine similarity</a:t>
+            </a:r>
+            <a:r>
+              <a:rPr lang="en-US" sz="1200" i="1" dirty="0" smtClean="0"/>
+              <a:t>) </a:t>
+            </a:r>
+            <a:r>
+              <a:rPr lang="en-US" sz="1200" dirty="0" smtClean="0"/>
+              <a:t>.  </a:t>
+            </a:r>
+          </a:p>
+          <a:p>
+            <a:pPr marL="0" lvl="0" indent="0" algn="just" rtl="0">
+              <a:lnSpc>
+                <a:spcPct val="90000"/>
+              </a:lnSpc>
+              <a:spcBef>
+                <a:spcPts val="1000"/>
+              </a:spcBef>
+              <a:spcAft>
+                <a:spcPts val="0"/>
+              </a:spcAft>
+              <a:buClr>
+                <a:schemeClr val="dk1"/>
+              </a:buClr>
+              <a:buSzPct val="100000"/>
+              <a:buNone/>
+            </a:pPr>
+            <a:r>
+              <a:rPr lang="en-US" sz="1200" dirty="0" smtClean="0"/>
+              <a:t>This result could mean that </a:t>
+            </a:r>
+            <a:r>
+              <a:rPr lang="en-US" sz="1200" b="1" dirty="0" smtClean="0"/>
+              <a:t>these two nodes may have connections to similar entities, officers, companies and more</a:t>
+            </a:r>
+            <a:r>
+              <a:rPr lang="en-US" sz="1200" dirty="0" smtClean="0"/>
+              <a:t>. </a:t>
+            </a:r>
+          </a:p>
+          <a:p>
+            <a:pPr marL="0" lvl="0" indent="0" algn="just" rtl="0">
+              <a:lnSpc>
+                <a:spcPct val="90000"/>
+              </a:lnSpc>
+              <a:spcBef>
+                <a:spcPts val="1000"/>
+              </a:spcBef>
+              <a:spcAft>
+                <a:spcPts val="0"/>
+              </a:spcAft>
+              <a:buClr>
+                <a:schemeClr val="dk1"/>
+              </a:buClr>
+              <a:buSzPct val="100000"/>
+              <a:buNone/>
+            </a:pPr>
+            <a:r>
+              <a:rPr lang="en-US" sz="1200" dirty="0" smtClean="0"/>
+              <a:t>Given that our base data are dense and might have many connections between nodes, </a:t>
+            </a:r>
+            <a:r>
+              <a:rPr lang="en-US" sz="1200" b="1" dirty="0" smtClean="0"/>
+              <a:t>it could be difficult to discover such connections</a:t>
+            </a:r>
+            <a:r>
+              <a:rPr lang="en-US" sz="1200" dirty="0" smtClean="0"/>
+              <a:t>, or even worse, such connections </a:t>
+            </a:r>
+            <a:r>
+              <a:rPr lang="en-US" sz="1200" b="1" dirty="0" smtClean="0"/>
+              <a:t>could not even exist in the starting dataset </a:t>
+            </a:r>
+            <a:r>
+              <a:rPr lang="en-US" sz="1200" dirty="0" smtClean="0"/>
+              <a:t>(as a path or direct edge).</a:t>
+            </a:r>
+            <a:r>
+              <a:rPr lang="en-US" sz="1200" baseline="0" dirty="0" smtClean="0"/>
+              <a:t> </a:t>
+            </a:r>
+            <a:r>
+              <a:rPr lang="en-US" sz="1200" dirty="0" smtClean="0"/>
+              <a:t>Exploiting graph embeddings could </a:t>
+            </a:r>
+            <a:r>
+              <a:rPr lang="en-US" sz="1200" b="1" dirty="0" smtClean="0"/>
+              <a:t>offer a new way to discover relationships between the nodes of the graph, group offshores with same fraudulent activity etc</a:t>
+            </a:r>
+            <a:r>
+              <a:rPr lang="en-US" sz="1200" dirty="0" smtClean="0"/>
+              <a:t>.</a:t>
+            </a:r>
+          </a:p>
+          <a:p>
             <a:pPr marL="0" lvl="0" indent="0" algn="l" rtl="0">
               <a:spcBef>
                 <a:spcPts val="0"/>
@@ -2338,7 +3311,7 @@
               </a:spcAft>
               <a:buNone/>
             </a:pPr>
-            <a:endParaRPr/>
+            <a:endParaRPr dirty="0"/>
           </a:p>
         </p:txBody>
       </p:sp>
@@ -2391,7 +3364,7 @@
 </p:notes>
 </file>
 
-<file path=ppt/notesSlides/notesSlide17.xml><?xml version="1.0" encoding="utf-8"?>
+<file path=ppt/notesSlides/notesSlide18.xml><?xml version="1.0" encoding="utf-8"?>
 <p:notes xmlns:a="http://schemas.openxmlformats.org/drawingml/2006/main" xmlns:r="http://schemas.openxmlformats.org/officeDocument/2006/relationships" xmlns:p="http://schemas.openxmlformats.org/presentationml/2006/main" showMasterSp="0" showMasterPhAnim="0">
   <p:cSld>
     <p:spTree>
@@ -2496,6 +3469,124 @@
 </file>
 
 <file path=ppt/notesSlides/notesSlide2.xml><?xml version="1.0" encoding="utf-8"?>
+<p:notes xmlns:a="http://schemas.openxmlformats.org/drawingml/2006/main" xmlns:r="http://schemas.openxmlformats.org/officeDocument/2006/relationships" xmlns:p="http://schemas.openxmlformats.org/presentationml/2006/main">
+  <p:cSld>
+    <p:spTree>
+      <p:nvGrpSpPr>
+        <p:cNvPr id="1" name=""/>
+        <p:cNvGrpSpPr/>
+        <p:nvPr/>
+      </p:nvGrpSpPr>
+      <p:grpSpPr>
+        <a:xfrm>
+          <a:off x="0" y="0"/>
+          <a:ext cx="0" cy="0"/>
+          <a:chOff x="0" y="0"/>
+          <a:chExt cx="0" cy="0"/>
+        </a:xfrm>
+      </p:grpSpPr>
+      <p:sp>
+        <p:nvSpPr>
+          <p:cNvPr id="2" name="Slide Image Placeholder 1"/>
+          <p:cNvSpPr>
+            <a:spLocks noGrp="1" noRot="1" noChangeAspect="1"/>
+          </p:cNvSpPr>
+          <p:nvPr>
+            <p:ph type="sldImg"/>
+          </p:nvPr>
+        </p:nvSpPr>
+        <p:spPr/>
+      </p:sp>
+      <p:sp>
+        <p:nvSpPr>
+          <p:cNvPr id="3" name="Notes Placeholder 2"/>
+          <p:cNvSpPr>
+            <a:spLocks noGrp="1"/>
+          </p:cNvSpPr>
+          <p:nvPr>
+            <p:ph type="body" idx="1"/>
+          </p:nvPr>
+        </p:nvSpPr>
+        <p:spPr/>
+        <p:txBody>
+          <a:bodyPr/>
+          <a:lstStyle/>
+          <a:p>
+            <a:pPr algn="l"/>
+            <a:r>
+              <a:rPr lang="en-US" dirty="0" smtClean="0"/>
+              <a:t>The presentation will take around 10 minutes, covering these</a:t>
+            </a:r>
+            <a:r>
+              <a:rPr lang="en-US" baseline="0" dirty="0" smtClean="0"/>
+              <a:t> sections.</a:t>
+            </a:r>
+            <a:endParaRPr lang="en-US" dirty="0"/>
+          </a:p>
+        </p:txBody>
+      </p:sp>
+      <p:sp>
+        <p:nvSpPr>
+          <p:cNvPr id="4" name="Slide Number Placeholder 3"/>
+          <p:cNvSpPr>
+            <a:spLocks noGrp="1"/>
+          </p:cNvSpPr>
+          <p:nvPr>
+            <p:ph type="sldNum" idx="10"/>
+          </p:nvPr>
+        </p:nvSpPr>
+        <p:spPr/>
+        <p:txBody>
+          <a:bodyPr/>
+          <a:lstStyle/>
+          <a:p>
+            <a:pPr marL="0" marR="0" lvl="0" indent="0" algn="r" rtl="0">
+              <a:spcBef>
+                <a:spcPts val="0"/>
+              </a:spcBef>
+              <a:spcAft>
+                <a:spcPts val="0"/>
+              </a:spcAft>
+              <a:buNone/>
+            </a:pPr>
+            <a:fld id="{00000000-1234-1234-1234-123412341234}" type="slidenum">
+              <a:rPr lang="en-US" sz="1200" b="0" i="0" u="none" strike="noStrike" cap="none" smtClean="0">
+                <a:solidFill>
+                  <a:schemeClr val="dk1"/>
+                </a:solidFill>
+                <a:latin typeface="Calibri"/>
+                <a:ea typeface="Calibri"/>
+                <a:cs typeface="Calibri"/>
+                <a:sym typeface="Calibri"/>
+              </a:rPr>
+              <a:t>2</a:t>
+            </a:fld>
+            <a:endParaRPr lang="en-US" sz="1200" b="0" i="0" u="none" strike="noStrike" cap="none">
+              <a:solidFill>
+                <a:schemeClr val="dk1"/>
+              </a:solidFill>
+              <a:latin typeface="Calibri"/>
+              <a:ea typeface="Calibri"/>
+              <a:cs typeface="Calibri"/>
+              <a:sym typeface="Calibri"/>
+            </a:endParaRPr>
+          </a:p>
+        </p:txBody>
+      </p:sp>
+    </p:spTree>
+    <p:extLst>
+      <p:ext uri="{BB962C8B-B14F-4D97-AF65-F5344CB8AC3E}">
+        <p14:creationId xmlns:p14="http://schemas.microsoft.com/office/powerpoint/2010/main" val="3009281992"/>
+      </p:ext>
+    </p:extLst>
+  </p:cSld>
+  <p:clrMapOvr>
+    <a:masterClrMapping/>
+  </p:clrMapOvr>
+</p:notes>
+</file>
+
+<file path=ppt/notesSlides/notesSlide3.xml><?xml version="1.0" encoding="utf-8"?>
 <p:notes xmlns:a="http://schemas.openxmlformats.org/drawingml/2006/main" xmlns:r="http://schemas.openxmlformats.org/officeDocument/2006/relationships" xmlns:p="http://schemas.openxmlformats.org/presentationml/2006/main" showMasterSp="0" showMasterPhAnim="0">
   <p:cSld>
     <p:spTree>
@@ -2546,6 +3637,59 @@
               </a:spcAft>
               <a:buNone/>
             </a:pPr>
+            <a:r>
+              <a:rPr lang="en-US" dirty="0" smtClean="0"/>
+              <a:t>So first</a:t>
+            </a:r>
+            <a:r>
+              <a:rPr lang="en-US" baseline="0" dirty="0" smtClean="0"/>
+              <a:t> of all, we will give a brief explanation about Panama Papers. </a:t>
+            </a:r>
+          </a:p>
+          <a:p>
+            <a:pPr marL="0" lvl="0" indent="0" algn="l" rtl="0">
+              <a:spcBef>
+                <a:spcPts val="0"/>
+              </a:spcBef>
+              <a:spcAft>
+                <a:spcPts val="0"/>
+              </a:spcAft>
+              <a:buNone/>
+            </a:pPr>
+            <a:r>
+              <a:rPr lang="en-US" baseline="0" dirty="0" smtClean="0"/>
+              <a:t>They are collections of documents exposing the financial activity of over 200.000 offshore and the relations between clients with other entities. </a:t>
+            </a:r>
+          </a:p>
+          <a:p>
+            <a:pPr marL="0" lvl="0" indent="0" algn="l" rtl="0">
+              <a:spcBef>
+                <a:spcPts val="0"/>
+              </a:spcBef>
+              <a:spcAft>
+                <a:spcPts val="0"/>
+              </a:spcAft>
+              <a:buNone/>
+            </a:pPr>
+            <a:r>
+              <a:rPr lang="en-US" baseline="0" dirty="0" smtClean="0"/>
+              <a:t>Panama Papers where released to public in 2016 and after that they are widely used for graph analysis, as they form a specific type of Fraud Detection graph.</a:t>
+            </a:r>
+          </a:p>
+          <a:p>
+            <a:pPr marL="0" lvl="0" indent="0" algn="l" rtl="0">
+              <a:spcBef>
+                <a:spcPts val="0"/>
+              </a:spcBef>
+              <a:spcAft>
+                <a:spcPts val="0"/>
+              </a:spcAft>
+              <a:buNone/>
+            </a:pPr>
+            <a:r>
+              <a:rPr lang="en-US" baseline="0" dirty="0" smtClean="0"/>
+              <a:t>As you can see, the graph is directed and has specific types of nodes, representing entities, officers, intermediaries and addresses, and links between them. </a:t>
+            </a:r>
             <a:endParaRPr dirty="0"/>
           </a:p>
         </p:txBody>
@@ -2599,7 +3743,7 @@
 </p:notes>
 </file>
 
-<file path=ppt/notesSlides/notesSlide3.xml><?xml version="1.0" encoding="utf-8"?>
+<file path=ppt/notesSlides/notesSlide4.xml><?xml version="1.0" encoding="utf-8"?>
 <p:notes xmlns:a="http://schemas.openxmlformats.org/drawingml/2006/main" xmlns:r="http://schemas.openxmlformats.org/officeDocument/2006/relationships" xmlns:p="http://schemas.openxmlformats.org/presentationml/2006/main" showMasterSp="0" showMasterPhAnim="0">
   <p:cSld>
     <p:spTree>
@@ -2650,6 +3794,40 @@
               </a:spcAft>
               <a:buNone/>
             </a:pPr>
+            <a:r>
+              <a:rPr lang="en-US" baseline="0" dirty="0" smtClean="0"/>
+              <a:t>It is interesting to use graph analysis algorithms over such datasets to find the most important nodes, because having information about the popular entities of the graph can lead us to conclusions about the interactions between the nodes, entities that are likely to commit frauds in the future etc. </a:t>
+            </a:r>
+          </a:p>
+          <a:p>
+            <a:pPr marL="0" lvl="0" indent="0" algn="l" rtl="0">
+              <a:spcBef>
+                <a:spcPts val="0"/>
+              </a:spcBef>
+              <a:spcAft>
+                <a:spcPts val="0"/>
+              </a:spcAft>
+              <a:buNone/>
+            </a:pPr>
+            <a:r>
+              <a:rPr lang="en-US" baseline="0" dirty="0" smtClean="0"/>
+              <a:t>But, is just running a set of algorithms over the network enough?</a:t>
+            </a:r>
+          </a:p>
+          <a:p>
+            <a:pPr marL="0" lvl="0" indent="0" algn="l" rtl="0">
+              <a:spcBef>
+                <a:spcPts val="0"/>
+              </a:spcBef>
+              <a:spcAft>
+                <a:spcPts val="0"/>
+              </a:spcAft>
+              <a:buNone/>
+            </a:pPr>
+            <a:r>
+              <a:rPr lang="en-US" baseline="0" dirty="0" smtClean="0"/>
+              <a:t>How could we go one step further and combine techniques from multiple fields of data analysis?</a:t>
+            </a:r>
             <a:endParaRPr lang="en-US" baseline="0" dirty="0" smtClean="0"/>
           </a:p>
         </p:txBody>
@@ -2703,7 +3881,7 @@
 </p:notes>
 </file>
 
-<file path=ppt/notesSlides/notesSlide4.xml><?xml version="1.0" encoding="utf-8"?>
+<file path=ppt/notesSlides/notesSlide5.xml><?xml version="1.0" encoding="utf-8"?>
 <p:notes xmlns:a="http://schemas.openxmlformats.org/drawingml/2006/main" xmlns:r="http://schemas.openxmlformats.org/officeDocument/2006/relationships" xmlns:p="http://schemas.openxmlformats.org/presentationml/2006/main" showMasterSp="0" showMasterPhAnim="0">
   <p:cSld>
     <p:spTree>
@@ -2754,6 +3932,58 @@
               </a:spcAft>
               <a:buNone/>
             </a:pPr>
+            <a:r>
+              <a:rPr lang="en-US" sz="1200" dirty="0" smtClean="0"/>
+              <a:t>We propose an approach that </a:t>
+            </a:r>
+            <a:r>
+              <a:rPr lang="en-US" sz="1200" b="1" dirty="0" smtClean="0"/>
+              <a:t>combines </a:t>
+            </a:r>
+            <a:r>
+              <a:rPr lang="en-US" sz="1200" dirty="0" smtClean="0"/>
+              <a:t>the</a:t>
+            </a:r>
+            <a:r>
+              <a:rPr lang="en-US" sz="1200" b="1" dirty="0" smtClean="0"/>
+              <a:t> results </a:t>
+            </a:r>
+            <a:r>
+              <a:rPr lang="en-US" sz="1200" dirty="0" smtClean="0"/>
+              <a:t>of</a:t>
+            </a:r>
+            <a:r>
+              <a:rPr lang="en-US" sz="1200" b="1" dirty="0" smtClean="0"/>
+              <a:t> graph analytics </a:t>
+            </a:r>
+            <a:r>
+              <a:rPr lang="en-US" sz="1200" dirty="0" smtClean="0"/>
+              <a:t>with a</a:t>
+            </a:r>
+            <a:r>
+              <a:rPr lang="en-US" sz="1200" b="1" dirty="0" smtClean="0"/>
+              <a:t> graph embeddings database</a:t>
+            </a:r>
+            <a:r>
+              <a:rPr lang="en-US" sz="1200" dirty="0" smtClean="0"/>
+              <a:t>, in order to create </a:t>
+            </a:r>
+            <a:r>
+              <a:rPr lang="en-US" sz="1200" b="1" dirty="0" smtClean="0"/>
+              <a:t>similarity networks</a:t>
+            </a:r>
+            <a:r>
+              <a:rPr lang="en-US" sz="1200" dirty="0" smtClean="0"/>
+              <a:t> of the</a:t>
+            </a:r>
+            <a:r>
+              <a:rPr lang="en-US" sz="1200" b="1" dirty="0" smtClean="0"/>
+              <a:t> most important nodes </a:t>
+            </a:r>
+            <a:r>
+              <a:rPr lang="en-US" sz="1200" dirty="0" smtClean="0"/>
+              <a:t>of our data, so as to discover relationships between nodes that could not be easily seen before.</a:t>
+            </a:r>
             <a:endParaRPr lang="en-US" dirty="0"/>
           </a:p>
         </p:txBody>
@@ -2807,7 +4037,7 @@
 </p:notes>
 </file>
 
-<file path=ppt/notesSlides/notesSlide5.xml><?xml version="1.0" encoding="utf-8"?>
+<file path=ppt/notesSlides/notesSlide6.xml><?xml version="1.0" encoding="utf-8"?>
 <p:notes xmlns:a="http://schemas.openxmlformats.org/drawingml/2006/main" xmlns:r="http://schemas.openxmlformats.org/officeDocument/2006/relationships" xmlns:p="http://schemas.openxmlformats.org/presentationml/2006/main" showMasterSp="0" showMasterPhAnim="0">
   <p:cSld>
     <p:spTree>
@@ -2915,11 +4145,11 @@
             </a:pPr>
             <a:r>
               <a:rPr lang="en-US" dirty="0" smtClean="0"/>
-              <a:t>The outline</a:t>
+              <a:t>This is the outline of our work. You can think the</a:t>
             </a:r>
             <a:r>
               <a:rPr lang="en-US" baseline="0" dirty="0" smtClean="0"/>
-              <a:t> of our work is the following. We independently analyzed the data through graph analytics and create the embeddings database, and in the final step we produced the results by loading the graph analytics results into the db.</a:t>
+              <a:t> outline as two in-depended processes, but in the last step we use the results of graph analytics for the embeddings database.</a:t>
             </a:r>
             <a:endParaRPr dirty="0"/>
           </a:p>
@@ -2979,7 +4209,7 @@
 </p:notes>
 </file>
 
-<file path=ppt/notesSlides/notesSlide6.xml><?xml version="1.0" encoding="utf-8"?>
+<file path=ppt/notesSlides/notesSlide7.xml><?xml version="1.0" encoding="utf-8"?>
 <p:notes xmlns:a="http://schemas.openxmlformats.org/drawingml/2006/main" xmlns:r="http://schemas.openxmlformats.org/officeDocument/2006/relationships" xmlns:p="http://schemas.openxmlformats.org/presentationml/2006/main" showMasterSp="0" showMasterPhAnim="0">
   <p:cSld>
     <p:spTree>
@@ -3030,7 +4260,79 @@
               </a:spcAft>
               <a:buNone/>
             </a:pPr>
-            <a:endParaRPr dirty="0"/>
+            <a:r>
+              <a:rPr lang="en-US" dirty="0" smtClean="0"/>
+              <a:t>As an early</a:t>
+            </a:r>
+            <a:r>
+              <a:rPr lang="en-US" baseline="0" dirty="0" smtClean="0"/>
+              <a:t> example of our work, you can consider that after running </a:t>
+            </a:r>
+            <a:r>
+              <a:rPr lang="en-US" sz="1200" b="1" dirty="0" smtClean="0"/>
+              <a:t>PageRank</a:t>
+            </a:r>
+            <a:r>
+              <a:rPr lang="en-US" sz="1200" dirty="0" smtClean="0"/>
+              <a:t> and </a:t>
+            </a:r>
+            <a:r>
+              <a:rPr lang="en-US" sz="1200" b="1" dirty="0" smtClean="0"/>
+              <a:t>Eigenvector Centrality, </a:t>
+            </a:r>
+            <a:r>
+              <a:rPr lang="en-US" sz="1200" b="0" dirty="0" smtClean="0"/>
+              <a:t>we</a:t>
+            </a:r>
+            <a:r>
+              <a:rPr lang="en-US" sz="1200" b="0" baseline="0" dirty="0" smtClean="0"/>
+              <a:t> found out that the node with the highest score is ACCELONIC LTD, which is an offshore company of Hong Kong.</a:t>
+            </a:r>
+          </a:p>
+          <a:p>
+            <a:pPr marL="0" lvl="0" indent="0" algn="l" rtl="0">
+              <a:spcBef>
+                <a:spcPts val="0"/>
+              </a:spcBef>
+              <a:spcAft>
+                <a:spcPts val="0"/>
+              </a:spcAft>
+              <a:buNone/>
+            </a:pPr>
+            <a:r>
+              <a:rPr lang="en-US" sz="1200" b="0" baseline="0" dirty="0" smtClean="0"/>
+              <a:t>As a next step, we create the similarity network of the company and we notice that it has high similarity score with other companies, people etc.</a:t>
+            </a:r>
+          </a:p>
+          <a:p>
+            <a:pPr marL="0" lvl="0" indent="0" algn="l" rtl="0">
+              <a:spcBef>
+                <a:spcPts val="0"/>
+              </a:spcBef>
+              <a:spcAft>
+                <a:spcPts val="0"/>
+              </a:spcAft>
+              <a:buNone/>
+            </a:pPr>
+            <a:r>
+              <a:rPr lang="en-US" sz="1200" b="0" baseline="0" dirty="0" smtClean="0"/>
+              <a:t>So now, we can explore how and why it turns out that this offshore is similar to other nodes as such processes can shed light to node connections that were not clear before, and could we worth investigating!</a:t>
+            </a:r>
+          </a:p>
+          <a:p>
+            <a:pPr marL="0" lvl="0" indent="0" algn="l" rtl="0">
+              <a:spcBef>
+                <a:spcPts val="0"/>
+              </a:spcBef>
+              <a:spcAft>
+                <a:spcPts val="0"/>
+              </a:spcAft>
+              <a:buNone/>
+            </a:pPr>
+            <a:r>
+              <a:rPr lang="en-US" sz="1200" b="0" baseline="0" dirty="0" smtClean="0"/>
+              <a:t>Till now, we have not explained how this network is created and what “similarity” actually means, but these concepts will be presented later on.</a:t>
+            </a:r>
           </a:p>
         </p:txBody>
       </p:sp>
@@ -3083,7 +4385,7 @@
 </p:notes>
 </file>
 
-<file path=ppt/notesSlides/notesSlide7.xml><?xml version="1.0" encoding="utf-8"?>
+<file path=ppt/notesSlides/notesSlide8.xml><?xml version="1.0" encoding="utf-8"?>
 <p:notes xmlns:a="http://schemas.openxmlformats.org/drawingml/2006/main" xmlns:r="http://schemas.openxmlformats.org/officeDocument/2006/relationships" xmlns:p="http://schemas.openxmlformats.org/presentationml/2006/main" showMasterSp="0" showMasterPhAnim="0">
   <p:cSld>
     <p:spTree>
@@ -3124,6 +4426,120 @@
             <a:noAutofit/>
           </a:bodyPr>
           <a:lstStyle/>
+          <a:p>
+            <a:pPr marL="0" lvl="0" indent="0" algn="l" rtl="0">
+              <a:spcBef>
+                <a:spcPts val="0"/>
+              </a:spcBef>
+              <a:spcAft>
+                <a:spcPts val="0"/>
+              </a:spcAft>
+              <a:buNone/>
+            </a:pPr>
+            <a:r>
+              <a:rPr lang="en-US" dirty="0" smtClean="0"/>
+              <a:t>Now let’s proceed</a:t>
+            </a:r>
+            <a:r>
+              <a:rPr lang="en-US" baseline="0" dirty="0" smtClean="0"/>
+              <a:t> with our work regarding TSP. </a:t>
+            </a:r>
+            <a:r>
+              <a:rPr lang="en-US" dirty="0" smtClean="0"/>
+              <a:t>We had difficulties</a:t>
+            </a:r>
+            <a:r>
+              <a:rPr lang="en-US" baseline="0" dirty="0" smtClean="0"/>
+              <a:t> trying to analyze the dataset using TSP given it’s enormous size. For this reason, we decided to explore methods to load subsets of the dataset without losing information about the graph. We developed three methods in total:</a:t>
+            </a:r>
+          </a:p>
+          <a:p>
+            <a:pPr marL="171450" lvl="0" indent="-171450" algn="l" rtl="0">
+              <a:spcBef>
+                <a:spcPts val="0"/>
+              </a:spcBef>
+              <a:spcAft>
+                <a:spcPts val="0"/>
+              </a:spcAft>
+              <a:buFont typeface="Arial" panose="020B0604020202020204" pitchFamily="34" charset="0"/>
+              <a:buChar char="•"/>
+            </a:pPr>
+            <a:r>
+              <a:rPr lang="en-US" baseline="0" dirty="0" smtClean="0"/>
+              <a:t>Simple dataset chunking: Load N sequential edges from the file and finds the corresponding nodes.</a:t>
+            </a:r>
+          </a:p>
+          <a:p>
+            <a:pPr marL="171450" marR="0" lvl="0" indent="-171450" algn="l" defTabSz="914400" rtl="0" eaLnBrk="1" fontAlgn="auto" latinLnBrk="0" hangingPunct="1">
+              <a:lnSpc>
+                <a:spcPct val="100000"/>
+              </a:lnSpc>
+              <a:spcBef>
+                <a:spcPts val="0"/>
+              </a:spcBef>
+              <a:spcAft>
+                <a:spcPts val="0"/>
+              </a:spcAft>
+              <a:buClr>
+                <a:srgbClr val="000000"/>
+              </a:buClr>
+              <a:buSzPts val="1400"/>
+              <a:buFont typeface="Arial" panose="020B0604020202020204" pitchFamily="34" charset="0"/>
+              <a:buChar char="•"/>
+              <a:tabLst/>
+              <a:defRPr/>
+            </a:pPr>
+            <a:r>
+              <a:rPr lang="en-US" baseline="0" dirty="0" smtClean="0"/>
+              <a:t>Sampling: Load N edges randomly from the file and finds the corresponding nodes.</a:t>
+            </a:r>
+          </a:p>
+          <a:p>
+            <a:pPr marL="171450" lvl="0" indent="-171450" algn="l" rtl="0">
+              <a:spcBef>
+                <a:spcPts val="0"/>
+              </a:spcBef>
+              <a:spcAft>
+                <a:spcPts val="0"/>
+              </a:spcAft>
+              <a:buFont typeface="Arial" panose="020B0604020202020204" pitchFamily="34" charset="0"/>
+              <a:buChar char="•"/>
+            </a:pPr>
+            <a:r>
+              <a:rPr lang="en-US" baseline="0" dirty="0" smtClean="0"/>
+              <a:t>Reconstruction: Tries to recreated the subnetworks of a number of selected source node using a BFS-like algorithm.</a:t>
+            </a:r>
+          </a:p>
+          <a:p>
+            <a:pPr marL="0" lvl="0" indent="0" algn="l" rtl="0">
+              <a:spcBef>
+                <a:spcPts val="0"/>
+              </a:spcBef>
+              <a:spcAft>
+                <a:spcPts val="0"/>
+              </a:spcAft>
+              <a:buNone/>
+            </a:pPr>
+            <a:r>
+              <a:rPr lang="en-US" baseline="0" dirty="0" smtClean="0"/>
+              <a:t>From these methods, the better results were taken using sampling, so we decided to use it to create the subgraph.</a:t>
+            </a:r>
+          </a:p>
+          <a:p>
+            <a:pPr marL="0" lvl="0" indent="0" algn="l" rtl="0">
+              <a:spcBef>
+                <a:spcPts val="0"/>
+              </a:spcBef>
+              <a:spcAft>
+                <a:spcPts val="0"/>
+              </a:spcAft>
+              <a:buNone/>
+            </a:pPr>
+            <a:r>
+              <a:rPr lang="en-US" baseline="0" dirty="0" smtClean="0"/>
+              <a:t>Then we proceeded to create a schema for our model. For simplicity we selected a simple schema, containing only the interaction between nodes and edges with specific attributes.</a:t>
+            </a:r>
+          </a:p>
           <a:p>
             <a:pPr marL="0" lvl="0" indent="0" algn="l" rtl="0">
               <a:spcBef>
@@ -3187,7 +4603,7 @@
 </p:notes>
 </file>
 
-<file path=ppt/notesSlides/notesSlide8.xml><?xml version="1.0" encoding="utf-8"?>
+<file path=ppt/notesSlides/notesSlide9.xml><?xml version="1.0" encoding="utf-8"?>
 <p:notes xmlns:a="http://schemas.openxmlformats.org/drawingml/2006/main" xmlns:r="http://schemas.openxmlformats.org/officeDocument/2006/relationships" xmlns:p="http://schemas.openxmlformats.org/presentationml/2006/main" showMasterSp="0" showMasterPhAnim="0">
   <p:cSld>
     <p:spTree>
@@ -3238,117 +4654,21 @@
               </a:spcAft>
               <a:buNone/>
             </a:pPr>
-            <a:endParaRPr/>
+            <a:r>
+              <a:rPr lang="en-US" dirty="0" smtClean="0"/>
+              <a:t>Using</a:t>
+            </a:r>
+            <a:r>
+              <a:rPr lang="en-US" baseline="0" dirty="0" smtClean="0"/>
+              <a:t> sampling we managed to load an visualize a subgraph of 4000 edges and around 3700 nodes. As you see the result didn’t create a large connected component but smaller networks of nodes. We decided to investigate the matter even further, by using the reconstruction method, but we got the same results. So we understood that loading a subset of the dataset in the range of some thousands of edges the graph had actually this form, as you can see in our figures.</a:t>
+            </a:r>
+            <a:endParaRPr dirty="0"/>
           </a:p>
         </p:txBody>
       </p:sp>
       <p:sp>
         <p:nvSpPr>
           <p:cNvPr id="177" name="Google Shape;177;p8:notes"/>
-          <p:cNvSpPr>
-            <a:spLocks noGrp="1" noRot="1" noChangeAspect="1"/>
-          </p:cNvSpPr>
-          <p:nvPr>
-            <p:ph type="sldImg" idx="2"/>
-          </p:nvPr>
-        </p:nvSpPr>
-        <p:spPr>
-          <a:xfrm>
-            <a:off x="685800" y="1143000"/>
-            <a:ext cx="5486400" cy="3086100"/>
-          </a:xfrm>
-          <a:custGeom>
-            <a:avLst/>
-            <a:gdLst/>
-            <a:ahLst/>
-            <a:cxnLst/>
-            <a:rect l="l" t="t" r="r" b="b"/>
-            <a:pathLst>
-              <a:path w="120000" h="120000" extrusionOk="0">
-                <a:moveTo>
-                  <a:pt x="0" y="0"/>
-                </a:moveTo>
-                <a:lnTo>
-                  <a:pt x="120000" y="0"/>
-                </a:lnTo>
-                <a:lnTo>
-                  <a:pt x="120000" y="120000"/>
-                </a:lnTo>
-                <a:lnTo>
-                  <a:pt x="0" y="120000"/>
-                </a:lnTo>
-                <a:close/>
-              </a:path>
-            </a:pathLst>
-          </a:custGeom>
-        </p:spPr>
-      </p:sp>
-    </p:spTree>
-  </p:cSld>
-  <p:clrMapOvr>
-    <a:masterClrMapping/>
-  </p:clrMapOvr>
-</p:notes>
-</file>
-
-<file path=ppt/notesSlides/notesSlide9.xml><?xml version="1.0" encoding="utf-8"?>
-<p:notes xmlns:a="http://schemas.openxmlformats.org/drawingml/2006/main" xmlns:r="http://schemas.openxmlformats.org/officeDocument/2006/relationships" xmlns:p="http://schemas.openxmlformats.org/presentationml/2006/main" showMasterSp="0" showMasterPhAnim="0">
-  <p:cSld>
-    <p:spTree>
-      <p:nvGrpSpPr>
-        <p:cNvPr id="1" name="Shape 185"/>
-        <p:cNvGrpSpPr/>
-        <p:nvPr/>
-      </p:nvGrpSpPr>
-      <p:grpSpPr>
-        <a:xfrm>
-          <a:off x="0" y="0"/>
-          <a:ext cx="0" cy="0"/>
-          <a:chOff x="0" y="0"/>
-          <a:chExt cx="0" cy="0"/>
-        </a:xfrm>
-      </p:grpSpPr>
-      <p:sp>
-        <p:nvSpPr>
-          <p:cNvPr id="186" name="Google Shape;186;p9:notes"/>
-          <p:cNvSpPr txBox="1">
-            <a:spLocks noGrp="1"/>
-          </p:cNvSpPr>
-          <p:nvPr>
-            <p:ph type="body" idx="1"/>
-          </p:nvPr>
-        </p:nvSpPr>
-        <p:spPr>
-          <a:xfrm>
-            <a:off x="685800" y="4400550"/>
-            <a:ext cx="5486400" cy="3600450"/>
-          </a:xfrm>
-          <a:prstGeom prst="rect">
-            <a:avLst/>
-          </a:prstGeom>
-        </p:spPr>
-        <p:txBody>
-          <a:bodyPr spcFirstLastPara="1" wrap="square" lIns="91425" tIns="45700" rIns="91425" bIns="45700" anchor="t" anchorCtr="0">
-            <a:noAutofit/>
-          </a:bodyPr>
-          <a:lstStyle/>
-          <a:p>
-            <a:pPr marL="0" lvl="0" indent="0" algn="l" rtl="0">
-              <a:spcBef>
-                <a:spcPts val="0"/>
-              </a:spcBef>
-              <a:spcAft>
-                <a:spcPts val="0"/>
-              </a:spcAft>
-              <a:buNone/>
-            </a:pPr>
-            <a:endParaRPr dirty="0"/>
-          </a:p>
-        </p:txBody>
-      </p:sp>
-      <p:sp>
-        <p:nvSpPr>
-          <p:cNvPr id="187" name="Google Shape;187;p9:notes"/>
           <p:cNvSpPr>
             <a:spLocks noGrp="1" noRot="1" noChangeAspect="1"/>
           </p:cNvSpPr>
@@ -15502,11 +16822,7 @@
             </a:r>
             <a:r>
               <a:rPr lang="en-US" dirty="0" smtClean="0"/>
-              <a:t>to load the data and </a:t>
-            </a:r>
-            <a:r>
-              <a:rPr lang="en-US" dirty="0" smtClean="0"/>
-              <a:t>create </a:t>
+              <a:t>to load the data and create </a:t>
             </a:r>
             <a:r>
               <a:rPr lang="en-US" b="1" dirty="0" smtClean="0"/>
@@ -15514,11 +16830,7 @@
             </a:r>
             <a:r>
               <a:rPr lang="en-US" dirty="0" smtClean="0"/>
-              <a:t> </a:t>
-            </a:r>
-            <a:r>
-              <a:rPr lang="en-US" dirty="0" smtClean="0"/>
-              <a:t>(nodeID, nodeName) using dictionaries.</a:t>
+              <a:t> (nodeID, nodeName) using dictionaries.</a:t>
             </a:r>
             <a:endParaRPr dirty="0"/>
           </a:p>
@@ -15651,23 +16963,7 @@
             </a:r>
             <a:r>
               <a:rPr lang="en-US" dirty="0" smtClean="0"/>
-              <a:t>graph. </a:t>
-            </a:r>
-            <a:r>
-              <a:rPr lang="en-US" dirty="0" smtClean="0"/>
-              <a:t>After the simulation of the </a:t>
-            </a:r>
-            <a:r>
-              <a:rPr lang="en-US" dirty="0" smtClean="0"/>
-              <a:t>algorithms, </a:t>
-            </a:r>
-            <a:r>
-              <a:rPr lang="en-US" dirty="0" smtClean="0"/>
-              <a:t>we kept only the top </a:t>
-            </a:r>
-            <a:r>
-              <a:rPr lang="en-US" dirty="0" smtClean="0"/>
-              <a:t>results.</a:t>
+              <a:t>graph. After the simulation of the algorithms, we kept only the top results.</a:t>
             </a:r>
             <a:endParaRPr lang="en-US" dirty="0"/>
           </a:p>
@@ -15918,7 +17214,15 @@
             </a:pPr>
             <a:r>
               <a:rPr lang="en-US" dirty="0"/>
-              <a:t>PageRank(a=0.85,it=100)</a:t>
+              <a:t>PageRank(</a:t>
+            </a:r>
+            <a:r>
+              <a:rPr lang="en-US" i="1" dirty="0"/>
+              <a:t>a=0.85,it=100</a:t>
+            </a:r>
+            <a:r>
+              <a:rPr lang="en-US" dirty="0"/>
+              <a:t>)</a:t>
             </a:r>
             <a:endParaRPr dirty="0"/>
           </a:p>
@@ -19128,11 +20432,7 @@
             </a:r>
             <a:r>
               <a:rPr lang="en-US" sz="1800" b="1" dirty="0" smtClean="0"/>
-              <a:t>could not even exist in the starting </a:t>
-            </a:r>
-            <a:r>
-              <a:rPr lang="en-US" sz="1800" b="1" dirty="0" smtClean="0"/>
-              <a:t>dataset </a:t>
+              <a:t>could not even exist in the starting dataset </a:t>
             </a:r>
             <a:r>
               <a:rPr lang="en-US" sz="1800" dirty="0" smtClean="0"/>
@@ -20389,7 +21689,7 @@
           <p:nvPr/>
         </p:nvPicPr>
         <p:blipFill rotWithShape="1">
-          <a:blip r:embed="rId2">
+          <a:blip r:embed="rId3">
             <a:alphaModFix/>
           </a:blip>
           <a:srcRect/>
@@ -20654,15 +21954,6 @@
               </a:rPr>
               <a:t>of over 200.000 offshores </a:t>
             </a:r>
-            <a:endParaRPr lang="en-US" sz="2000" dirty="0">
-              <a:solidFill>
-                <a:schemeClr val="dk1"/>
-              </a:solidFill>
-              <a:latin typeface="Calibri"/>
-              <a:ea typeface="Calibri"/>
-              <a:cs typeface="Calibri"/>
-              <a:sym typeface="Calibri"/>
-            </a:endParaRPr>
           </a:p>
           <a:p>
             <a:pPr marL="285750" marR="0" lvl="0" indent="-285750" algn="just" rtl="0">
@@ -21232,31 +22523,7 @@
             </a:r>
             <a:r>
               <a:rPr lang="en-US" dirty="0" smtClean="0"/>
-              <a:t>use </a:t>
-            </a:r>
-            <a:r>
-              <a:rPr lang="en-US" dirty="0" smtClean="0"/>
-              <a:t>graph analysis</a:t>
-            </a:r>
-            <a:r>
-              <a:rPr lang="en-US" dirty="0" smtClean="0"/>
-              <a:t> </a:t>
-            </a:r>
-            <a:r>
-              <a:rPr lang="en-US" dirty="0" smtClean="0"/>
-              <a:t>algorithms </a:t>
-            </a:r>
-            <a:r>
-              <a:rPr lang="en-US" dirty="0" smtClean="0"/>
-              <a:t>(e.g. ranking</a:t>
-            </a:r>
-            <a:r>
-              <a:rPr lang="en-US" dirty="0" smtClean="0"/>
-              <a:t>, </a:t>
-            </a:r>
-            <a:r>
-              <a:rPr lang="en-US" dirty="0" smtClean="0"/>
-              <a:t>clustering etc.) </a:t>
+              <a:t>use graph analysis algorithms (e.g. ranking, clustering etc.) </a:t>
             </a:r>
             <a:r>
               <a:rPr lang="en-US" dirty="0"/>
@@ -21752,15 +23019,15 @@
             </a:r>
             <a:r>
               <a:rPr lang="en-US" sz="2400" dirty="0" smtClean="0"/>
-              <a:t>data</a:t>
+              <a:t>data, so as to discover relationships between nodes that could </a:t>
             </a:r>
             <a:r>
               <a:rPr lang="en-US" sz="2400" dirty="0" smtClean="0"/>
-              <a:t>, so as to discover relationships between nodes that could be easily seen before!</a:t>
+              <a:t>not be </a:t>
             </a:r>
             <a:r>
               <a:rPr lang="en-US" sz="2400" dirty="0" smtClean="0"/>
-              <a:t> </a:t>
+              <a:t>easily seen before! </a:t>
             </a:r>
             <a:endParaRPr sz="2400" dirty="0"/>
           </a:p>
@@ -23362,31 +24629,15 @@
             </a:r>
             <a:r>
               <a:rPr lang="en-US" sz="2400" dirty="0" smtClean="0"/>
-              <a:t>which </a:t>
+              <a:t>which is an offshore located in Hong-Kong. We could use this entity to locate the </a:t>
+            </a:r>
+            <a:r>
+              <a:rPr lang="en-US" sz="2400" b="1" dirty="0" smtClean="0"/>
+              <a:t>similar nodes </a:t>
             </a:r>
             <a:r>
               <a:rPr lang="en-US" sz="2400" dirty="0" smtClean="0"/>
-              <a:t>is an offshore located in Hong-Kong. We could use this entity to locate the </a:t>
-            </a:r>
-            <a:r>
-              <a:rPr lang="en-US" sz="2400" b="1" dirty="0" smtClean="0"/>
-              <a:t>similar </a:t>
-            </a:r>
-            <a:r>
-              <a:rPr lang="en-US" sz="2400" b="1" dirty="0" smtClean="0"/>
-              <a:t>nodes </a:t>
-            </a:r>
-            <a:r>
-              <a:rPr lang="en-US" sz="2400" dirty="0" smtClean="0"/>
-              <a:t>using </a:t>
-            </a:r>
-            <a:r>
-              <a:rPr lang="en-US" sz="2400" dirty="0" smtClean="0"/>
-              <a:t>the graph embeddings </a:t>
-            </a:r>
-            <a:r>
-              <a:rPr lang="en-US" sz="2400" dirty="0" smtClean="0"/>
-              <a:t>database</a:t>
+              <a:t>using the graph embeddings database</a:t>
             </a:r>
             <a:endParaRPr sz="2400" dirty="0"/>
           </a:p>
@@ -23571,11 +24822,7 @@
             </a:pPr>
             <a:r>
               <a:rPr lang="en-US" dirty="0" smtClean="0"/>
-              <a:t>Given the </a:t>
-            </a:r>
-            <a:r>
-              <a:rPr lang="en-US" dirty="0" smtClean="0"/>
-              <a:t>enormous dataset size, we decided to </a:t>
+              <a:t>Given the enormous dataset size, we decided to </a:t>
             </a:r>
             <a:r>
               <a:rPr lang="en-US" b="1" dirty="0" smtClean="0"/>
@@ -23709,11 +24956,7 @@
             </a:r>
             <a:r>
               <a:rPr lang="en-US" dirty="0" smtClean="0"/>
-              <a:t>appropriate </a:t>
-            </a:r>
-            <a:r>
-              <a:rPr lang="en-US" dirty="0" smtClean="0"/>
-              <a:t>nodes. </a:t>
+              <a:t>appropriate nodes. </a:t>
             </a:r>
           </a:p>
           <a:p>
@@ -23810,11 +25053,7 @@
             </a:r>
             <a:r>
               <a:rPr lang="en-US" dirty="0" smtClean="0"/>
-              <a:t>it </a:t>
-            </a:r>
-            <a:r>
-              <a:rPr lang="en-US" dirty="0" smtClean="0"/>
-              <a:t>to </a:t>
+              <a:t>it to </a:t>
             </a:r>
             <a:r>
               <a:rPr lang="en-US" dirty="0"/>
@@ -24365,11 +25604,7 @@
             </a:r>
             <a:r>
               <a:rPr lang="en-US" sz="1600" dirty="0" smtClean="0"/>
-              <a:t>and their neighbors</a:t>
-            </a:r>
-            <a:r>
-              <a:rPr lang="en-US" sz="1600" dirty="0" smtClean="0"/>
-              <a:t>.</a:t>
+              <a:t>and their neighbors.</a:t>
             </a:r>
             <a:endParaRPr sz="1600" dirty="0"/>
           </a:p>
@@ -24436,15 +25671,7 @@
             </a:pPr>
             <a:r>
               <a:rPr lang="en-US" sz="1600" dirty="0" smtClean="0"/>
-              <a:t>We also tried to use the reconstruction </a:t>
-            </a:r>
-            <a:r>
-              <a:rPr lang="en-US" sz="1600" dirty="0" smtClean="0"/>
-              <a:t>method for visualization </a:t>
-            </a:r>
-            <a:r>
-              <a:rPr lang="en-US" sz="1600" dirty="0" smtClean="0"/>
-              <a:t>by selecting a number of random source nodes, but the results were the same.</a:t>
+              <a:t>We also tried to use the reconstruction method for visualization by selecting a number of random source nodes, but the results were the same.</a:t>
             </a:r>
             <a:endParaRPr sz="1600" dirty="0"/>
           </a:p>
